--- a/SuSS/ANL201 Study Unit 5_2021 - Lecturer.pptx
+++ b/SuSS/ANL201 Study Unit 5_2021 - Lecturer.pptx
@@ -250,7 +250,7 @@
           <a:p>
             <a:fld id="{FB7F86EF-755F-EF49-95CD-E6F9DEA0E285}" type="datetimeFigureOut">
               <a:rPr lang="en-US" smtClean="0"/>
-              <a:t>1/28/2021</a:t>
+              <a:t>3/4/2021</a:t>
             </a:fld>
             <a:endParaRPr lang="en-US"/>
           </a:p>
@@ -415,7 +415,7 @@
           <a:p>
             <a:fld id="{847550CD-65C1-0D40-9457-6DF5C95A232D}" type="datetimeFigureOut">
               <a:rPr lang="en-US" smtClean="0"/>
-              <a:t>1/28/2021</a:t>
+              <a:t>3/4/2021</a:t>
             </a:fld>
             <a:endParaRPr lang="en-US"/>
           </a:p>
@@ -1022,13 +1022,8 @@
             </a:r>
             <a:r>
               <a:rPr lang="en-SG" baseline="0" dirty="0"/>
-              <a:t> Global Superstore 2016 – Order Data, Using filter on country to </a:t>
-            </a:r>
-            <a:r>
-              <a:rPr lang="en-SG" baseline="0"/>
-              <a:t>retrieve only US data</a:t>
-            </a:r>
-            <a:endParaRPr lang="en-SG" baseline="0" dirty="0"/>
+              <a:t> Global Superstore 2016 – Order Data, Using filter on country to retrieve only US data</a:t>
+            </a:r>
           </a:p>
           <a:p>
             <a:pPr marL="228600" indent="-228600">
@@ -20197,7 +20192,12 @@
             <p:ph idx="1"/>
           </p:nvPr>
         </p:nvSpPr>
-        <p:spPr/>
+        <p:spPr>
+          <a:xfrm>
+            <a:off x="260212" y="1905101"/>
+            <a:ext cx="8563649" cy="1889300"/>
+          </a:xfrm>
+        </p:spPr>
         <p:txBody>
           <a:bodyPr>
             <a:noAutofit/>
@@ -25206,8 +25206,8 @@
         </p:nvSpPr>
         <p:spPr>
           <a:xfrm>
-            <a:off x="1371600" y="1040732"/>
-            <a:ext cx="6400800" cy="2385268"/>
+            <a:off x="1153486" y="772284"/>
+            <a:ext cx="6841222" cy="3616375"/>
           </a:xfrm>
           <a:prstGeom prst="rect">
             <a:avLst/>
@@ -25220,96 +25220,123 @@
           </a:bodyPr>
           <a:lstStyle/>
           <a:p>
-            <a:pPr marL="342900" indent="-342900">
-              <a:buFont typeface="+mj-lt"/>
-              <a:buAutoNum type="arabicPeriod"/>
-            </a:pPr>
             <a:r>
               <a:rPr lang="en-SG" sz="1600" dirty="0">
                 <a:latin typeface="Roboto Light"/>
               </a:rPr>
-              <a:t>Follow your instructor to create the following visuals:</a:t>
-            </a:r>
-          </a:p>
-          <a:p>
-            <a:pPr marL="342900" indent="-342900">
-              <a:buFont typeface="+mj-lt"/>
-              <a:buAutoNum type="arabicPeriod"/>
+              <a:t>Work with your GBA team-mates to create the following visuals:</a:t>
+            </a:r>
+          </a:p>
+          <a:p>
+            <a:pPr marL="685800" lvl="1" indent="-342900">
+              <a:buFont typeface="Arial" panose="020B0604020202020204" pitchFamily="34" charset="0"/>
+              <a:buChar char="•"/>
+            </a:pPr>
+            <a:r>
+              <a:rPr lang="en-SG" sz="1600" dirty="0">
+                <a:latin typeface="Roboto Light"/>
+              </a:rPr>
+              <a:t>Map View</a:t>
+            </a:r>
+          </a:p>
+          <a:p>
+            <a:pPr marL="685800" lvl="1" indent="-342900">
+              <a:buFont typeface="Arial" panose="020B0604020202020204" pitchFamily="34" charset="0"/>
+              <a:buChar char="•"/>
+            </a:pPr>
+            <a:r>
+              <a:rPr lang="en-SG" sz="1600" dirty="0">
+                <a:latin typeface="Roboto Light"/>
+              </a:rPr>
+              <a:t>Scatterplot with filter</a:t>
+            </a:r>
+          </a:p>
+          <a:p>
+            <a:pPr marL="685800" lvl="1" indent="-342900">
+              <a:buFont typeface="Arial" panose="020B0604020202020204" pitchFamily="34" charset="0"/>
+              <a:buChar char="•"/>
+            </a:pPr>
+            <a:r>
+              <a:rPr lang="en-SG" sz="1600" dirty="0">
+                <a:latin typeface="Roboto Light"/>
+              </a:rPr>
+              <a:t>Histogram</a:t>
+            </a:r>
+          </a:p>
+          <a:p>
+            <a:pPr marL="685800" lvl="1" indent="-342900">
+              <a:buFont typeface="Arial" panose="020B0604020202020204" pitchFamily="34" charset="0"/>
+              <a:buChar char="•"/>
+            </a:pPr>
+            <a:r>
+              <a:rPr lang="en-SG" sz="1600" dirty="0">
+                <a:latin typeface="Roboto Light"/>
+              </a:rPr>
+              <a:t>Boxplot</a:t>
+            </a:r>
+          </a:p>
+          <a:p>
+            <a:pPr marL="685800" lvl="1" indent="-342900">
+              <a:buFont typeface="Arial" panose="020B0604020202020204" pitchFamily="34" charset="0"/>
+              <a:buChar char="•"/>
+            </a:pPr>
+            <a:r>
+              <a:rPr lang="en-SG" sz="1600" dirty="0">
+                <a:latin typeface="Roboto Light"/>
+              </a:rPr>
+              <a:t>Create Parameter</a:t>
+            </a:r>
+          </a:p>
+          <a:p>
+            <a:pPr marL="685800" lvl="1" indent="-342900">
+              <a:buFont typeface="Arial" panose="020B0604020202020204" pitchFamily="34" charset="0"/>
+              <a:buChar char="•"/>
+            </a:pPr>
+            <a:r>
+              <a:rPr lang="en-SG" sz="1600" dirty="0">
+                <a:latin typeface="Roboto Light"/>
+              </a:rPr>
+              <a:t>Forecast chart</a:t>
+            </a:r>
+          </a:p>
+          <a:p>
+            <a:pPr marL="228600" indent="-342900">
+              <a:buFont typeface="Arial" panose="020B0604020202020204" pitchFamily="34" charset="0"/>
+              <a:buChar char="•"/>
             </a:pPr>
             <a:endParaRPr lang="en-SG" sz="1600" dirty="0">
               <a:latin typeface="Roboto Light"/>
             </a:endParaRPr>
           </a:p>
           <a:p>
-            <a:pPr marL="685800" lvl="1" indent="-342900">
-              <a:buFont typeface="Arial" panose="020B0604020202020204" pitchFamily="34" charset="0"/>
-              <a:buChar char="•"/>
+            <a:pPr marL="228600" indent="-342900">
+              <a:buFont typeface="+mj-lt"/>
+              <a:buAutoNum type="arabicParenR"/>
+            </a:pPr>
+            <a:r>
+              <a:rPr lang="en-SG" sz="1600" dirty="0"/>
+              <a:t>Use Global Superstore 2016 – Order Data, Using filter on country to retrieve only US data</a:t>
+            </a:r>
+          </a:p>
+          <a:p>
+            <a:pPr marL="228600" indent="-342900">
+              <a:buFont typeface="+mj-lt"/>
+              <a:buAutoNum type="arabicParenR"/>
+            </a:pPr>
+            <a:endParaRPr lang="en-SG" sz="1600" dirty="0">
+              <a:latin typeface="Roboto Light"/>
+            </a:endParaRPr>
+          </a:p>
+          <a:p>
+            <a:pPr marL="228600" indent="-342900">
+              <a:buFont typeface="+mj-lt"/>
+              <a:buAutoNum type="arabicParenR"/>
             </a:pPr>
             <a:r>
               <a:rPr lang="en-SG" sz="1600" dirty="0">
                 <a:latin typeface="Roboto Light"/>
               </a:rPr>
-              <a:t>Map View</a:t>
-            </a:r>
-          </a:p>
-          <a:p>
-            <a:pPr marL="685800" lvl="1" indent="-342900">
-              <a:buFont typeface="Arial" panose="020B0604020202020204" pitchFamily="34" charset="0"/>
-              <a:buChar char="•"/>
-            </a:pPr>
-            <a:r>
-              <a:rPr lang="en-SG" sz="1600" dirty="0">
-                <a:latin typeface="Roboto Light"/>
-              </a:rPr>
-              <a:t>Scatterplot with filter</a:t>
-            </a:r>
-          </a:p>
-          <a:p>
-            <a:pPr marL="685800" lvl="1" indent="-342900">
-              <a:buFont typeface="Arial" panose="020B0604020202020204" pitchFamily="34" charset="0"/>
-              <a:buChar char="•"/>
-            </a:pPr>
-            <a:r>
-              <a:rPr lang="en-SG" sz="1600" dirty="0">
-                <a:latin typeface="Roboto Light"/>
-              </a:rPr>
-              <a:t>Histogram</a:t>
-            </a:r>
-          </a:p>
-          <a:p>
-            <a:pPr marL="685800" lvl="1" indent="-342900">
-              <a:buFont typeface="Arial" panose="020B0604020202020204" pitchFamily="34" charset="0"/>
-              <a:buChar char="•"/>
-            </a:pPr>
-            <a:r>
-              <a:rPr lang="en-SG" sz="1600" dirty="0">
-                <a:latin typeface="Roboto Light"/>
-              </a:rPr>
-              <a:t>Boxplot</a:t>
-            </a:r>
-          </a:p>
-          <a:p>
-            <a:pPr marL="685800" lvl="1" indent="-342900">
-              <a:buFont typeface="Arial" panose="020B0604020202020204" pitchFamily="34" charset="0"/>
-              <a:buChar char="•"/>
-            </a:pPr>
-            <a:r>
-              <a:rPr lang="en-SG" sz="1600" dirty="0">
-                <a:latin typeface="Roboto Light"/>
-              </a:rPr>
-              <a:t>Create Parameter</a:t>
-            </a:r>
-          </a:p>
-          <a:p>
-            <a:pPr marL="685800" lvl="1" indent="-342900">
-              <a:buFont typeface="Arial" panose="020B0604020202020204" pitchFamily="34" charset="0"/>
-              <a:buChar char="•"/>
-            </a:pPr>
-            <a:r>
-              <a:rPr lang="en-SG" sz="1600" dirty="0">
-                <a:latin typeface="Roboto Light"/>
-              </a:rPr>
-              <a:t>Forecast chart</a:t>
+              <a:t>Spend about 30 mins doing this; there are 6 charts above; we will pick 6 random teams to show us how they did it. </a:t>
             </a:r>
           </a:p>
           <a:p>
@@ -27260,7 +27287,35 @@
                 <a:latin typeface="Roboto Light" panose="02000000000000000000" pitchFamily="2" charset="0"/>
                 <a:ea typeface="Roboto Light" panose="02000000000000000000" pitchFamily="2" charset="0"/>
               </a:rPr>
-              <a:t>The most common way to visualise spatial data is with maps that place values within a geographic coordinate. We can visualise the geographic coordinate of a location by mapping the latitude and longitude coordinates to two-dimensional space, and draw a point on the space</a:t>
+              <a:t>The most common way to visualise </a:t>
+            </a:r>
+            <a:r>
+              <a:rPr lang="en-GB" sz="1800" u="sng" dirty="0">
+                <a:latin typeface="Roboto Light" panose="02000000000000000000" pitchFamily="2" charset="0"/>
+                <a:ea typeface="Roboto Light" panose="02000000000000000000" pitchFamily="2" charset="0"/>
+              </a:rPr>
+              <a:t>spatial data</a:t>
+            </a:r>
+            <a:r>
+              <a:rPr lang="en-GB" sz="1800" dirty="0">
+                <a:latin typeface="Roboto Light" panose="02000000000000000000" pitchFamily="2" charset="0"/>
+                <a:ea typeface="Roboto Light" panose="02000000000000000000" pitchFamily="2" charset="0"/>
+              </a:rPr>
+              <a:t> is with maps that place values within a geographic coordinate. We can visualise the geographic coordinate of a location by mapping the </a:t>
+            </a:r>
+            <a:r>
+              <a:rPr lang="en-GB" sz="1800" u="sng" dirty="0">
+                <a:latin typeface="Roboto Light" panose="02000000000000000000" pitchFamily="2" charset="0"/>
+                <a:ea typeface="Roboto Light" panose="02000000000000000000" pitchFamily="2" charset="0"/>
+              </a:rPr>
+              <a:t>latitude and longitude </a:t>
+            </a:r>
+            <a:r>
+              <a:rPr lang="en-GB" sz="1800" dirty="0">
+                <a:latin typeface="Roboto Light" panose="02000000000000000000" pitchFamily="2" charset="0"/>
+                <a:ea typeface="Roboto Light" panose="02000000000000000000" pitchFamily="2" charset="0"/>
+              </a:rPr>
+              <a:t>coordinates to two-dimensional space, and draw a point on the space.</a:t>
             </a:r>
           </a:p>
           <a:p>
@@ -27282,7 +27337,49 @@
                 <a:latin typeface="Roboto Light" panose="02000000000000000000" pitchFamily="2" charset="0"/>
                 <a:ea typeface="Roboto Light" panose="02000000000000000000" pitchFamily="2" charset="0"/>
               </a:rPr>
-              <a:t>When the density of individual locations across a region is more informative than the overlapping points on a map, we may want to colour code the region based on the density scale, or use lines to show data continuously over geography</a:t>
+              <a:t>When the </a:t>
+            </a:r>
+            <a:r>
+              <a:rPr lang="en-GB" sz="1800" u="sng" dirty="0">
+                <a:latin typeface="Roboto Light" panose="02000000000000000000" pitchFamily="2" charset="0"/>
+                <a:ea typeface="Roboto Light" panose="02000000000000000000" pitchFamily="2" charset="0"/>
+              </a:rPr>
+              <a:t>density</a:t>
+            </a:r>
+            <a:r>
+              <a:rPr lang="en-GB" sz="1800" dirty="0">
+                <a:latin typeface="Roboto Light" panose="02000000000000000000" pitchFamily="2" charset="0"/>
+                <a:ea typeface="Roboto Light" panose="02000000000000000000" pitchFamily="2" charset="0"/>
+              </a:rPr>
+              <a:t> of individual locations across a region is </a:t>
+            </a:r>
+            <a:r>
+              <a:rPr lang="en-GB" sz="1800" u="sng" dirty="0">
+                <a:latin typeface="Roboto Light" panose="02000000000000000000" pitchFamily="2" charset="0"/>
+                <a:ea typeface="Roboto Light" panose="02000000000000000000" pitchFamily="2" charset="0"/>
+              </a:rPr>
+              <a:t>more informative </a:t>
+            </a:r>
+            <a:r>
+              <a:rPr lang="en-GB" sz="1800" dirty="0">
+                <a:latin typeface="Roboto Light" panose="02000000000000000000" pitchFamily="2" charset="0"/>
+                <a:ea typeface="Roboto Light" panose="02000000000000000000" pitchFamily="2" charset="0"/>
+              </a:rPr>
+              <a:t>than the overlapping points on a map, we may want to </a:t>
+            </a:r>
+            <a:r>
+              <a:rPr lang="en-GB" sz="1800" u="sng" dirty="0">
+                <a:latin typeface="Roboto Light" panose="02000000000000000000" pitchFamily="2" charset="0"/>
+                <a:ea typeface="Roboto Light" panose="02000000000000000000" pitchFamily="2" charset="0"/>
+              </a:rPr>
+              <a:t>colour code the region </a:t>
+            </a:r>
+            <a:r>
+              <a:rPr lang="en-GB" sz="1800" dirty="0">
+                <a:latin typeface="Roboto Light" panose="02000000000000000000" pitchFamily="2" charset="0"/>
+                <a:ea typeface="Roboto Light" panose="02000000000000000000" pitchFamily="2" charset="0"/>
+              </a:rPr>
+              <a:t>based on the density scale, or use lines to show data continuously over geography.</a:t>
             </a:r>
           </a:p>
           <a:p>
@@ -27426,7 +27523,21 @@
                 <a:latin typeface="Roboto Light" panose="02000000000000000000" pitchFamily="2" charset="0"/>
                 <a:ea typeface="Roboto Light" panose="02000000000000000000" pitchFamily="2" charset="0"/>
               </a:rPr>
-              <a:t>We can also size the regions by the data and ignore the physical area, so that the regions with high density data will appear bigger than the regions with low density data</a:t>
+              <a:t>We can also </a:t>
+            </a:r>
+            <a:r>
+              <a:rPr lang="en-GB" sz="1800" u="sng" dirty="0">
+                <a:latin typeface="Roboto Light" panose="02000000000000000000" pitchFamily="2" charset="0"/>
+                <a:ea typeface="Roboto Light" panose="02000000000000000000" pitchFamily="2" charset="0"/>
+              </a:rPr>
+              <a:t>size the regions by the data</a:t>
+            </a:r>
+            <a:r>
+              <a:rPr lang="en-GB" sz="1800" dirty="0">
+                <a:latin typeface="Roboto Light" panose="02000000000000000000" pitchFamily="2" charset="0"/>
+                <a:ea typeface="Roboto Light" panose="02000000000000000000" pitchFamily="2" charset="0"/>
+              </a:rPr>
+              <a:t> and ignore the physical area, so that the regions with high density data will appear bigger than the regions with low density data</a:t>
             </a:r>
           </a:p>
           <a:p>
